--- a/English/6.Visuals/17.Q and A.pptx
+++ b/English/6.Visuals/17.Q and A.pptx
@@ -19,7 +19,7 @@
   <p:notesSz cx="6858000" cy="9144000"/>
   <p:defaultTextStyle>
     <a:defPPr>
-      <a:defRPr lang="en-US"/>
+      <a:defRPr lang="en"/>
     </a:defPPr>
     <a:lvl1pPr marL="0" algn="l" defTabSz="914400" rtl="0" eaLnBrk="1" latinLnBrk="0" hangingPunct="1">
       <a:defRPr sz="1800" kern="1200">
@@ -202,7 +202,7 @@
           <a:p>
             <a:fld id="{056BA3B8-9F76-4D81-B71D-76CB85363062}" type="datetimeFigureOut">
               <a:rPr lang="en-US" smtClean="0"/>
-              <a:t>1/5/2025</a:t>
+              <a:t>4/3/2025</a:t>
             </a:fld>
             <a:endParaRPr lang="en-US"/>
           </a:p>
@@ -601,7 +601,7 @@
           <a:p>
             <a:fld id="{6F01DA4D-20EA-48D2-973C-0311EC3005D6}" type="datetimeFigureOut">
               <a:rPr lang="en-US" smtClean="0"/>
-              <a:t>1/5/2025</a:t>
+              <a:t>4/3/2025</a:t>
             </a:fld>
             <a:endParaRPr lang="en-US"/>
           </a:p>
@@ -771,7 +771,7 @@
           <a:p>
             <a:fld id="{6F01DA4D-20EA-48D2-973C-0311EC3005D6}" type="datetimeFigureOut">
               <a:rPr lang="en-US" smtClean="0"/>
-              <a:t>1/5/2025</a:t>
+              <a:t>4/3/2025</a:t>
             </a:fld>
             <a:endParaRPr lang="en-US"/>
           </a:p>
@@ -951,7 +951,7 @@
           <a:p>
             <a:fld id="{6F01DA4D-20EA-48D2-973C-0311EC3005D6}" type="datetimeFigureOut">
               <a:rPr lang="en-US" smtClean="0"/>
-              <a:t>1/5/2025</a:t>
+              <a:t>4/3/2025</a:t>
             </a:fld>
             <a:endParaRPr lang="en-US"/>
           </a:p>
@@ -1121,7 +1121,7 @@
           <a:p>
             <a:fld id="{6F01DA4D-20EA-48D2-973C-0311EC3005D6}" type="datetimeFigureOut">
               <a:rPr lang="en-US" smtClean="0"/>
-              <a:t>1/5/2025</a:t>
+              <a:t>4/3/2025</a:t>
             </a:fld>
             <a:endParaRPr lang="en-US"/>
           </a:p>
@@ -1367,7 +1367,7 @@
           <a:p>
             <a:fld id="{6F01DA4D-20EA-48D2-973C-0311EC3005D6}" type="datetimeFigureOut">
               <a:rPr lang="en-US" smtClean="0"/>
-              <a:t>1/5/2025</a:t>
+              <a:t>4/3/2025</a:t>
             </a:fld>
             <a:endParaRPr lang="en-US"/>
           </a:p>
@@ -1599,7 +1599,7 @@
           <a:p>
             <a:fld id="{6F01DA4D-20EA-48D2-973C-0311EC3005D6}" type="datetimeFigureOut">
               <a:rPr lang="en-US" smtClean="0"/>
-              <a:t>1/5/2025</a:t>
+              <a:t>4/3/2025</a:t>
             </a:fld>
             <a:endParaRPr lang="en-US"/>
           </a:p>
@@ -1966,7 +1966,7 @@
           <a:p>
             <a:fld id="{6F01DA4D-20EA-48D2-973C-0311EC3005D6}" type="datetimeFigureOut">
               <a:rPr lang="en-US" smtClean="0"/>
-              <a:t>1/5/2025</a:t>
+              <a:t>4/3/2025</a:t>
             </a:fld>
             <a:endParaRPr lang="en-US"/>
           </a:p>
@@ -2084,7 +2084,7 @@
           <a:p>
             <a:fld id="{6F01DA4D-20EA-48D2-973C-0311EC3005D6}" type="datetimeFigureOut">
               <a:rPr lang="en-US" smtClean="0"/>
-              <a:t>1/5/2025</a:t>
+              <a:t>4/3/2025</a:t>
             </a:fld>
             <a:endParaRPr lang="en-US"/>
           </a:p>
@@ -2179,7 +2179,7 @@
           <a:p>
             <a:fld id="{6F01DA4D-20EA-48D2-973C-0311EC3005D6}" type="datetimeFigureOut">
               <a:rPr lang="en-US" smtClean="0"/>
-              <a:t>1/5/2025</a:t>
+              <a:t>4/3/2025</a:t>
             </a:fld>
             <a:endParaRPr lang="en-US"/>
           </a:p>
@@ -2456,7 +2456,7 @@
           <a:p>
             <a:fld id="{6F01DA4D-20EA-48D2-973C-0311EC3005D6}" type="datetimeFigureOut">
               <a:rPr lang="en-US" smtClean="0"/>
-              <a:t>1/5/2025</a:t>
+              <a:t>4/3/2025</a:t>
             </a:fld>
             <a:endParaRPr lang="en-US"/>
           </a:p>
@@ -2709,7 +2709,7 @@
           <a:p>
             <a:fld id="{6F01DA4D-20EA-48D2-973C-0311EC3005D6}" type="datetimeFigureOut">
               <a:rPr lang="en-US" smtClean="0"/>
-              <a:t>1/5/2025</a:t>
+              <a:t>4/3/2025</a:t>
             </a:fld>
             <a:endParaRPr lang="en-US"/>
           </a:p>
@@ -2922,7 +2922,7 @@
           <a:p>
             <a:fld id="{6F01DA4D-20EA-48D2-973C-0311EC3005D6}" type="datetimeFigureOut">
               <a:rPr lang="en-US" smtClean="0"/>
-              <a:t>1/5/2025</a:t>
+              <a:t>4/3/2025</a:t>
             </a:fld>
             <a:endParaRPr lang="en-US"/>
           </a:p>
@@ -3359,7 +3359,7 @@
           <a:p>
             <a:pPr algn="ctr"/>
             <a:r>
-              <a:rPr lang="fr-FR" sz="8000" b="1" dirty="0">
+              <a:rPr lang="en" sz="8000" b="1" dirty="0">
                 <a:solidFill>
                   <a:srgbClr val="7030A0"/>
                 </a:solidFill>
@@ -3367,7 +3367,7 @@
                 <a:ea typeface="Verdana" panose="020B0604030504040204" pitchFamily="34" charset="0"/>
                 <a:cs typeface="Segoe UI" panose="020B0502040204020203" pitchFamily="34" charset="0"/>
               </a:rPr>
-              <a:t>Q and A</a:t>
+              <a:t>Questions and Answers</a:t>
             </a:r>
             <a:endParaRPr lang="en-US" sz="8000" b="1" dirty="0">
               <a:solidFill>
@@ -3404,7 +3404,7 @@
           <a:p>
             <a:pPr algn="ctr"/>
             <a:r>
-              <a:rPr lang="fr-FR" sz="8000" b="1" dirty="0" smtClean="0">
+              <a:rPr lang="en" sz="8000" b="1" dirty="0" smtClean="0">
                 <a:solidFill>
                   <a:schemeClr val="bg1"/>
                 </a:solidFill>
@@ -3412,7 +3412,7 @@
                 <a:ea typeface="Verdana" panose="020B0604030504040204" pitchFamily="34" charset="0"/>
                 <a:cs typeface="Segoe UI" panose="020B0502040204020203" pitchFamily="34" charset="0"/>
               </a:rPr>
-              <a:t>Q and A</a:t>
+              <a:t>Questions and Answers</a:t>
             </a:r>
             <a:endParaRPr lang="en-US" sz="8000" b="1" dirty="0">
               <a:solidFill>
@@ -3478,11 +3478,11 @@
           <a:lstStyle/>
           <a:p>
             <a:r>
-              <a:rPr lang="en-US" sz="2400" dirty="0" smtClean="0">
-                <a:latin typeface="Segoe UI" panose="020B0502040204020203" pitchFamily="34" charset="0"/>
-                <a:cs typeface="Segoe UI" panose="020B0502040204020203" pitchFamily="34" charset="0"/>
-              </a:rPr>
-              <a:t>Q and A</a:t>
+              <a:rPr lang="en" sz="2400" dirty="0" smtClean="0">
+                <a:latin typeface="Segoe UI" panose="020B0502040204020203" pitchFamily="34" charset="0"/>
+                <a:cs typeface="Segoe UI" panose="020B0502040204020203" pitchFamily="34" charset="0"/>
+              </a:rPr>
+              <a:t>Questions and Answers</a:t>
             </a:r>
             <a:endParaRPr lang="en-US" sz="2400" dirty="0">
               <a:latin typeface="Segoe UI" panose="020B0502040204020203" pitchFamily="34" charset="0"/>
@@ -3499,8 +3499,8 @@
         </p:nvSpPr>
         <p:spPr>
           <a:xfrm>
-            <a:off x="378135" y="756271"/>
-            <a:ext cx="6927602" cy="369332"/>
+            <a:off x="537751" y="615697"/>
+            <a:ext cx="5531990" cy="646331"/>
           </a:xfrm>
           <a:prstGeom prst="rect">
             <a:avLst/>
@@ -3508,38 +3508,38 @@
           <a:noFill/>
         </p:spPr>
         <p:txBody>
-          <a:bodyPr wrap="none" rtlCol="0">
+          <a:bodyPr wrap="square" rtlCol="0">
             <a:spAutoFit/>
           </a:bodyPr>
           <a:lstStyle/>
           <a:p>
             <a:r>
-              <a:rPr lang="en-US" b="1" dirty="0" smtClean="0">
+              <a:rPr lang="en" b="1" dirty="0" smtClean="0">
                 <a:latin typeface="Segoe UI" panose="020B0502040204020203" pitchFamily="34" charset="0"/>
                 <a:cs typeface="Segoe UI" panose="020B0502040204020203" pitchFamily="34" charset="0"/>
               </a:rPr>
               <a:t>Note: </a:t>
             </a:r>
             <a:r>
-              <a:rPr lang="en-US" dirty="0" smtClean="0">
-                <a:latin typeface="Segoe UI" panose="020B0502040204020203" pitchFamily="34" charset="0"/>
-                <a:cs typeface="Segoe UI" panose="020B0502040204020203" pitchFamily="34" charset="0"/>
-              </a:rPr>
-              <a:t>This lab is based on the excel file </a:t>
-            </a:r>
-            <a:r>
-              <a:rPr lang="en-US" b="1" dirty="0" smtClean="0">
+              <a:rPr lang="en" dirty="0" smtClean="0">
+                <a:latin typeface="Segoe UI" panose="020B0502040204020203" pitchFamily="34" charset="0"/>
+                <a:cs typeface="Segoe UI" panose="020B0502040204020203" pitchFamily="34" charset="0"/>
+              </a:rPr>
+              <a:t>This lab is based on the Excel file </a:t>
+            </a:r>
+            <a:r>
+              <a:rPr lang="en" b="1" dirty="0" smtClean="0">
                 <a:latin typeface="Segoe UI" panose="020B0502040204020203" pitchFamily="34" charset="0"/>
                 <a:cs typeface="Segoe UI" panose="020B0502040204020203" pitchFamily="34" charset="0"/>
               </a:rPr>
               <a:t>Sales.xlsx </a:t>
             </a:r>
             <a:r>
-              <a:rPr lang="en-US" dirty="0" smtClean="0">
-                <a:latin typeface="Segoe UI" panose="020B0502040204020203" pitchFamily="34" charset="0"/>
-                <a:cs typeface="Segoe UI" panose="020B0502040204020203" pitchFamily="34" charset="0"/>
-              </a:rPr>
-              <a:t>in Excel Sources</a:t>
+              <a:rPr lang="en" dirty="0" smtClean="0">
+                <a:latin typeface="Segoe UI" panose="020B0502040204020203" pitchFamily="34" charset="0"/>
+                <a:cs typeface="Segoe UI" panose="020B0502040204020203" pitchFamily="34" charset="0"/>
+              </a:rPr>
+              <a:t>in the Excel sources</a:t>
             </a:r>
             <a:endParaRPr lang="en-US" dirty="0">
               <a:latin typeface="Segoe UI" panose="020B0502040204020203" pitchFamily="34" charset="0"/>
@@ -3571,25 +3571,25 @@
           <a:lstStyle/>
           <a:p>
             <a:r>
-              <a:rPr lang="en-US" dirty="0" smtClean="0">
+              <a:rPr lang="en" dirty="0" smtClean="0">
                 <a:latin typeface="Segoe UI" panose="020B0502040204020203" pitchFamily="34" charset="0"/>
                 <a:cs typeface="Segoe UI" panose="020B0502040204020203" pitchFamily="34" charset="0"/>
               </a:rPr>
               <a:t>Add a </a:t>
             </a:r>
             <a:r>
-              <a:rPr lang="en-US" b="1" dirty="0" smtClean="0">
-                <a:latin typeface="Segoe UI" panose="020B0502040204020203" pitchFamily="34" charset="0"/>
-                <a:cs typeface="Segoe UI" panose="020B0502040204020203" pitchFamily="34" charset="0"/>
-              </a:rPr>
-              <a:t>Q and A </a:t>
-            </a:r>
-            <a:r>
-              <a:rPr lang="en-US" dirty="0" smtClean="0">
-                <a:latin typeface="Segoe UI" panose="020B0502040204020203" pitchFamily="34" charset="0"/>
-                <a:cs typeface="Segoe UI" panose="020B0502040204020203" pitchFamily="34" charset="0"/>
-              </a:rPr>
-              <a:t>visual to the scene</a:t>
+              <a:rPr lang="en" b="1" dirty="0" smtClean="0">
+                <a:latin typeface="Segoe UI" panose="020B0502040204020203" pitchFamily="34" charset="0"/>
+                <a:cs typeface="Segoe UI" panose="020B0502040204020203" pitchFamily="34" charset="0"/>
+              </a:rPr>
+              <a:t>question and answer visual </a:t>
+            </a:r>
+            <a:r>
+              <a:rPr lang="en" dirty="0" smtClean="0">
+                <a:latin typeface="Segoe UI" panose="020B0502040204020203" pitchFamily="34" charset="0"/>
+                <a:cs typeface="Segoe UI" panose="020B0502040204020203" pitchFamily="34" charset="0"/>
+              </a:rPr>
+              <a:t>to the scene</a:t>
             </a:r>
             <a:endParaRPr lang="en-US" dirty="0">
               <a:latin typeface="Segoe UI" panose="020B0502040204020203" pitchFamily="34" charset="0"/>
@@ -3654,11 +3654,11 @@
           <a:lstStyle/>
           <a:p>
             <a:r>
-              <a:rPr lang="en-US" sz="1400" b="1" dirty="0">
-                <a:latin typeface="Segoe UI" panose="020B0502040204020203" pitchFamily="34" charset="0"/>
-                <a:cs typeface="Segoe UI" panose="020B0502040204020203" pitchFamily="34" charset="0"/>
-              </a:rPr>
-              <a:t>Search Box </a:t>
+              <a:rPr lang="en" sz="1400" b="1" dirty="0">
+                <a:latin typeface="Segoe UI" panose="020B0502040204020203" pitchFamily="34" charset="0"/>
+                <a:cs typeface="Segoe UI" panose="020B0502040204020203" pitchFamily="34" charset="0"/>
+              </a:rPr>
+              <a:t>Search box</a:t>
             </a:r>
           </a:p>
         </p:txBody>
@@ -3673,7 +3673,7 @@
         </p:nvSpPr>
         <p:spPr bwMode="auto">
           <a:xfrm>
-            <a:off x="8099016" y="3904787"/>
+            <a:off x="8098994" y="4074687"/>
             <a:ext cx="2941262" cy="2123658"/>
           </a:xfrm>
           <a:prstGeom prst="rect">
@@ -3737,7 +3737,7 @@
               <a:tabLst/>
             </a:pPr>
             <a:r>
-              <a:rPr kumimoji="0" lang="en-US" altLang="en-US" sz="1200" b="1" i="0" u="none" strike="noStrike" cap="none" normalizeH="0" baseline="0" dirty="0" smtClean="0">
+              <a:rPr kumimoji="0" lang="en" altLang="en-US" sz="1200" b="1" i="0" u="none" strike="noStrike" cap="none" normalizeH="0" baseline="0" dirty="0" smtClean="0">
                 <a:ln>
                   <a:noFill/>
                 </a:ln>
@@ -3748,10 +3748,10 @@
                 <a:latin typeface="Segoe UI" panose="020B0502040204020203" pitchFamily="34" charset="0"/>
                 <a:cs typeface="Segoe UI" panose="020B0502040204020203" pitchFamily="34" charset="0"/>
               </a:rPr>
-              <a:t>Purpose</a:t>
-            </a:r>
-            <a:r>
-              <a:rPr kumimoji="0" lang="en-US" altLang="en-US" sz="1200" b="0" i="0" u="none" strike="noStrike" cap="none" normalizeH="0" baseline="0" dirty="0" smtClean="0">
+              <a:t>Purpose </a:t>
+            </a:r>
+            <a:r>
+              <a:rPr kumimoji="0" lang="en" altLang="en-US" sz="1200" b="0" i="0" u="none" strike="noStrike" cap="none" normalizeH="0" baseline="0" dirty="0" smtClean="0">
                 <a:ln>
                   <a:noFill/>
                 </a:ln>
@@ -3765,7 +3765,7 @@
               <a:t>: Allows users to </a:t>
             </a:r>
             <a:r>
-              <a:rPr kumimoji="0" lang="en-US" altLang="en-US" sz="1200" b="1" i="0" u="none" strike="noStrike" cap="none" normalizeH="0" baseline="0" dirty="0" smtClean="0">
+              <a:rPr kumimoji="0" lang="en" altLang="en-US" sz="1200" b="1" i="0" u="none" strike="noStrike" cap="none" normalizeH="0" baseline="0" dirty="0" smtClean="0">
                 <a:ln>
                   <a:noFill/>
                 </a:ln>
@@ -3776,10 +3776,10 @@
                 <a:latin typeface="Segoe UI" panose="020B0502040204020203" pitchFamily="34" charset="0"/>
                 <a:cs typeface="Segoe UI" panose="020B0502040204020203" pitchFamily="34" charset="0"/>
               </a:rPr>
-              <a:t>type a question</a:t>
-            </a:r>
-            <a:r>
-              <a:rPr kumimoji="0" lang="en-US" altLang="en-US" sz="1200" b="0" i="0" u="none" strike="noStrike" cap="none" normalizeH="0" baseline="0" dirty="0" smtClean="0">
+              <a:t>enter a natural language question </a:t>
+            </a:r>
+            <a:r>
+              <a:rPr kumimoji="0" lang="en" altLang="en-US" sz="1200" b="0" i="0" u="none" strike="noStrike" cap="none" normalizeH="0" baseline="0" dirty="0" smtClean="0">
                 <a:ln>
                   <a:noFill/>
                 </a:ln>
@@ -3790,7 +3790,7 @@
                 <a:latin typeface="Segoe UI" panose="020B0502040204020203" pitchFamily="34" charset="0"/>
                 <a:cs typeface="Segoe UI" panose="020B0502040204020203" pitchFamily="34" charset="0"/>
               </a:rPr>
-              <a:t> in natural language about their dataset.</a:t>
+              <a:t>about their dataset.</a:t>
             </a:r>
           </a:p>
           <a:p>
@@ -3836,7 +3836,7 @@
               <a:tabLst/>
             </a:pPr>
             <a:r>
-              <a:rPr kumimoji="0" lang="en-US" altLang="en-US" sz="1200" b="1" i="0" u="none" strike="noStrike" cap="none" normalizeH="0" baseline="0" dirty="0" smtClean="0">
+              <a:rPr kumimoji="0" lang="en" altLang="en-US" sz="1200" b="1" i="0" u="none" strike="noStrike" cap="none" normalizeH="0" baseline="0" dirty="0" smtClean="0">
                 <a:ln>
                   <a:noFill/>
                 </a:ln>
@@ -3847,10 +3847,10 @@
                 <a:latin typeface="Segoe UI" panose="020B0502040204020203" pitchFamily="34" charset="0"/>
                 <a:cs typeface="Segoe UI" panose="020B0502040204020203" pitchFamily="34" charset="0"/>
               </a:rPr>
-              <a:t>Example</a:t>
-            </a:r>
-            <a:r>
-              <a:rPr kumimoji="0" lang="en-US" altLang="en-US" sz="1200" b="0" i="0" u="none" strike="noStrike" cap="none" normalizeH="0" baseline="0" dirty="0" smtClean="0">
+              <a:t>Example </a:t>
+            </a:r>
+            <a:r>
+              <a:rPr kumimoji="0" lang="en" altLang="en-US" sz="1200" b="0" i="0" u="none" strike="noStrike" cap="none" normalizeH="0" baseline="0" dirty="0" smtClean="0">
                 <a:ln>
                   <a:noFill/>
                 </a:ln>
@@ -3861,7 +3861,7 @@
                 <a:latin typeface="Segoe UI" panose="020B0502040204020203" pitchFamily="34" charset="0"/>
                 <a:cs typeface="Segoe UI" panose="020B0502040204020203" pitchFamily="34" charset="0"/>
               </a:rPr>
-              <a:t>: You could type "What is the total sales?" or "Show sales by region.“</a:t>
+              <a:t>: You can enter "What is the total sales?" or "Show sales by region."</a:t>
             </a:r>
           </a:p>
           <a:p>
@@ -3907,7 +3907,7 @@
               <a:tabLst/>
             </a:pPr>
             <a:r>
-              <a:rPr kumimoji="0" lang="en-US" altLang="en-US" sz="1200" b="0" i="0" u="none" strike="noStrike" cap="none" normalizeH="0" baseline="0" dirty="0" smtClean="0">
+              <a:rPr kumimoji="0" lang="en" altLang="en-US" sz="1200" b="0" i="0" u="none" strike="noStrike" cap="none" normalizeH="0" baseline="0" dirty="0" smtClean="0">
                 <a:ln>
                   <a:noFill/>
                 </a:ln>
@@ -3921,7 +3921,7 @@
               <a:t>Power BI uses its </a:t>
             </a:r>
             <a:r>
-              <a:rPr kumimoji="0" lang="en-US" altLang="en-US" sz="1200" b="1" i="0" u="none" strike="noStrike" cap="none" normalizeH="0" baseline="0" dirty="0" smtClean="0">
+              <a:rPr kumimoji="0" lang="en" altLang="en-US" sz="1200" b="1" i="0" u="none" strike="noStrike" cap="none" normalizeH="0" baseline="0" dirty="0" smtClean="0">
                 <a:ln>
                   <a:noFill/>
                 </a:ln>
@@ -3932,10 +3932,10 @@
                 <a:latin typeface="Segoe UI" panose="020B0502040204020203" pitchFamily="34" charset="0"/>
                 <a:cs typeface="Segoe UI" panose="020B0502040204020203" pitchFamily="34" charset="0"/>
               </a:rPr>
-              <a:t>AI capabilities</a:t>
-            </a:r>
-            <a:r>
-              <a:rPr kumimoji="0" lang="en-US" altLang="en-US" sz="1200" b="0" i="0" u="none" strike="noStrike" cap="none" normalizeH="0" baseline="0" dirty="0" smtClean="0">
+              <a:t>AI capabilities </a:t>
+            </a:r>
+            <a:r>
+              <a:rPr kumimoji="0" lang="en" altLang="en-US" sz="1200" b="0" i="0" u="none" strike="noStrike" cap="none" normalizeH="0" baseline="0" dirty="0" smtClean="0">
                 <a:ln>
                   <a:noFill/>
                 </a:ln>
@@ -3946,7 +3946,7 @@
                 <a:latin typeface="Segoe UI" panose="020B0502040204020203" pitchFamily="34" charset="0"/>
                 <a:cs typeface="Segoe UI" panose="020B0502040204020203" pitchFamily="34" charset="0"/>
               </a:rPr>
-              <a:t> to interpret the question and generate a visual (e.g., table, chart, or KPI) based on the dataset. </a:t>
+              <a:t>to interpret the question and generate a visual (e.g., a chart, graph, or KPI) based on the dataset.</a:t>
             </a:r>
           </a:p>
         </p:txBody>
@@ -3959,25 +3959,25 @@
         </p:nvSpPr>
         <p:spPr>
           <a:xfrm>
-            <a:off x="8047007" y="654170"/>
-            <a:ext cx="1884170" cy="307777"/>
+            <a:off x="8047007" y="200408"/>
+            <a:ext cx="3489558" cy="307777"/>
           </a:xfrm>
           <a:prstGeom prst="rect">
             <a:avLst/>
           </a:prstGeom>
         </p:spPr>
         <p:txBody>
-          <a:bodyPr wrap="none">
+          <a:bodyPr wrap="square">
             <a:spAutoFit/>
           </a:bodyPr>
           <a:lstStyle/>
           <a:p>
             <a:r>
-              <a:rPr lang="en-US" sz="1400" b="1" dirty="0">
-                <a:latin typeface="Segoe UI" panose="020B0502040204020203" pitchFamily="34" charset="0"/>
-                <a:cs typeface="Segoe UI" panose="020B0502040204020203" pitchFamily="34" charset="0"/>
-              </a:rPr>
-              <a:t>Add Synonyms Now</a:t>
+              <a:rPr lang="en" sz="1400" b="1" dirty="0">
+                <a:latin typeface="Segoe UI" panose="020B0502040204020203" pitchFamily="34" charset="0"/>
+                <a:cs typeface="Segoe UI" panose="020B0502040204020203" pitchFamily="34" charset="0"/>
+              </a:rPr>
+              <a:t>Add synonyms now</a:t>
             </a:r>
           </a:p>
         </p:txBody>
@@ -3992,7 +3992,7 @@
         </p:nvSpPr>
         <p:spPr bwMode="auto">
           <a:xfrm>
-            <a:off x="8047007" y="961947"/>
+            <a:off x="8047007" y="938862"/>
             <a:ext cx="3287434" cy="2123658"/>
           </a:xfrm>
           <a:prstGeom prst="rect">
@@ -4056,7 +4056,7 @@
               <a:tabLst/>
             </a:pPr>
             <a:r>
-              <a:rPr kumimoji="0" lang="en-US" altLang="en-US" sz="1200" b="1" i="0" u="none" strike="noStrike" cap="none" normalizeH="0" baseline="0" dirty="0" smtClean="0">
+              <a:rPr kumimoji="0" lang="en" altLang="en-US" sz="1200" b="1" i="0" u="none" strike="noStrike" cap="none" normalizeH="0" baseline="0" dirty="0" smtClean="0">
                 <a:ln>
                   <a:noFill/>
                 </a:ln>
@@ -4067,10 +4067,10 @@
                 <a:latin typeface="Segoe UI" panose="020B0502040204020203" pitchFamily="34" charset="0"/>
                 <a:cs typeface="Segoe UI" panose="020B0502040204020203" pitchFamily="34" charset="0"/>
               </a:rPr>
-              <a:t>Purpose</a:t>
-            </a:r>
-            <a:r>
-              <a:rPr kumimoji="0" lang="en-US" altLang="en-US" sz="1200" b="0" i="0" u="none" strike="noStrike" cap="none" normalizeH="0" baseline="0" dirty="0" smtClean="0">
+              <a:t>Purpose </a:t>
+            </a:r>
+            <a:r>
+              <a:rPr kumimoji="0" lang="en" altLang="en-US" sz="1200" b="0" i="0" u="none" strike="noStrike" cap="none" normalizeH="0" baseline="0" dirty="0" smtClean="0">
                 <a:ln>
                   <a:noFill/>
                 </a:ln>
@@ -4084,7 +4084,7 @@
               <a:t>: Allows users to </a:t>
             </a:r>
             <a:r>
-              <a:rPr kumimoji="0" lang="en-US" altLang="en-US" sz="1200" b="1" i="0" u="none" strike="noStrike" cap="none" normalizeH="0" baseline="0" dirty="0" smtClean="0">
+              <a:rPr kumimoji="0" lang="en" altLang="en-US" sz="1200" b="1" i="0" u="none" strike="noStrike" cap="none" normalizeH="0" baseline="0" dirty="0" smtClean="0">
                 <a:ln>
                   <a:noFill/>
                 </a:ln>
@@ -4095,10 +4095,10 @@
                 <a:latin typeface="Segoe UI" panose="020B0502040204020203" pitchFamily="34" charset="0"/>
                 <a:cs typeface="Segoe UI" panose="020B0502040204020203" pitchFamily="34" charset="0"/>
               </a:rPr>
-              <a:t>enhance Q&amp;A performance</a:t>
-            </a:r>
-            <a:r>
-              <a:rPr kumimoji="0" lang="en-US" altLang="en-US" sz="1200" b="0" i="0" u="none" strike="noStrike" cap="none" normalizeH="0" baseline="0" dirty="0" smtClean="0">
+              <a:t>improve Q&amp;A performance </a:t>
+            </a:r>
+            <a:r>
+              <a:rPr kumimoji="0" lang="en" altLang="en-US" sz="1200" b="0" i="0" u="none" strike="noStrike" cap="none" normalizeH="0" baseline="0" dirty="0" smtClean="0">
                 <a:ln>
                   <a:noFill/>
                 </a:ln>
@@ -4109,7 +4109,7 @@
                 <a:latin typeface="Segoe UI" panose="020B0502040204020203" pitchFamily="34" charset="0"/>
                 <a:cs typeface="Segoe UI" panose="020B0502040204020203" pitchFamily="34" charset="0"/>
               </a:rPr>
-              <a:t> by adding synonyms for field names or terms.</a:t>
+              <a:t>by adding synonyms for field names or terms.</a:t>
             </a:r>
           </a:p>
           <a:p>
@@ -4155,7 +4155,7 @@
               <a:tabLst/>
             </a:pPr>
             <a:r>
-              <a:rPr kumimoji="0" lang="en-US" altLang="en-US" sz="1200" b="1" i="0" u="none" strike="noStrike" cap="none" normalizeH="0" baseline="0" dirty="0" smtClean="0">
+              <a:rPr kumimoji="0" lang="en" altLang="en-US" sz="1200" b="1" i="0" u="none" strike="noStrike" cap="none" normalizeH="0" baseline="0" dirty="0" smtClean="0">
                 <a:ln>
                   <a:noFill/>
                 </a:ln>
@@ -4166,10 +4166,10 @@
                 <a:latin typeface="Segoe UI" panose="020B0502040204020203" pitchFamily="34" charset="0"/>
                 <a:cs typeface="Segoe UI" panose="020B0502040204020203" pitchFamily="34" charset="0"/>
               </a:rPr>
-              <a:t>Why It’s Useful</a:t>
-            </a:r>
-            <a:r>
-              <a:rPr kumimoji="0" lang="en-US" altLang="en-US" sz="1200" b="0" i="0" u="none" strike="noStrike" cap="none" normalizeH="0" baseline="0" dirty="0" smtClean="0">
+              <a:t>Why it's useful </a:t>
+            </a:r>
+            <a:r>
+              <a:rPr kumimoji="0" lang="en" altLang="en-US" sz="1200" b="0" i="0" u="none" strike="noStrike" cap="none" normalizeH="0" baseline="0" dirty="0" smtClean="0">
                 <a:ln>
                   <a:noFill/>
                 </a:ln>
@@ -4180,7 +4180,7 @@
                 <a:latin typeface="Segoe UI" panose="020B0502040204020203" pitchFamily="34" charset="0"/>
                 <a:cs typeface="Segoe UI" panose="020B0502040204020203" pitchFamily="34" charset="0"/>
               </a:rPr>
-              <a:t>: If users use different terms to refer to the same field (e.g., "revenue" instead of "sales"), you can add these synonyms so Power BI understands the query.</a:t>
+              <a:t>: If users use different terms to refer to the same field (for example, "revenue" instead of "sales"), you can add these synonyms so Power BI understands the query.</a:t>
             </a:r>
           </a:p>
           <a:p>
@@ -4226,7 +4226,7 @@
               <a:tabLst/>
             </a:pPr>
             <a:r>
-              <a:rPr kumimoji="0" lang="en-US" altLang="en-US" sz="1200" b="1" i="0" u="none" strike="noStrike" cap="none" normalizeH="0" baseline="0" dirty="0" smtClean="0">
+              <a:rPr kumimoji="0" lang="en" altLang="en-US" sz="1200" b="1" i="0" u="none" strike="noStrike" cap="none" normalizeH="0" baseline="0" dirty="0" smtClean="0">
                 <a:ln>
                   <a:noFill/>
                 </a:ln>
@@ -4237,10 +4237,10 @@
                 <a:latin typeface="Segoe UI" panose="020B0502040204020203" pitchFamily="34" charset="0"/>
                 <a:cs typeface="Segoe UI" panose="020B0502040204020203" pitchFamily="34" charset="0"/>
               </a:rPr>
-              <a:t>Example</a:t>
-            </a:r>
-            <a:r>
-              <a:rPr kumimoji="0" lang="en-US" altLang="en-US" sz="1200" b="0" i="0" u="none" strike="noStrike" cap="none" normalizeH="0" baseline="0" dirty="0" smtClean="0">
+              <a:t>Example </a:t>
+            </a:r>
+            <a:r>
+              <a:rPr kumimoji="0" lang="en" altLang="en-US" sz="1200" b="0" i="0" u="none" strike="noStrike" cap="none" normalizeH="0" baseline="0" dirty="0" smtClean="0">
                 <a:ln>
                   <a:noFill/>
                 </a:ln>
@@ -4251,7 +4251,7 @@
                 <a:latin typeface="Segoe UI" panose="020B0502040204020203" pitchFamily="34" charset="0"/>
                 <a:cs typeface="Segoe UI" panose="020B0502040204020203" pitchFamily="34" charset="0"/>
               </a:rPr>
-              <a:t>: Add synonyms like "profit" for "net income" or "regions" for "territories." </a:t>
+              <a:t>: Add synonyms such as "profit" for "net income" or "regions" for "territories."</a:t>
             </a:r>
           </a:p>
         </p:txBody>
@@ -4352,11 +4352,11 @@
           <a:lstStyle/>
           <a:p>
             <a:r>
-              <a:rPr lang="en-US" sz="1400" b="1">
-                <a:latin typeface="Segoe UI" panose="020B0502040204020203" pitchFamily="34" charset="0"/>
-                <a:cs typeface="Segoe UI" panose="020B0502040204020203" pitchFamily="34" charset="0"/>
-              </a:rPr>
-              <a:t>Suggested Questions</a:t>
+              <a:rPr lang="en" sz="1400" b="1">
+                <a:latin typeface="Segoe UI" panose="020B0502040204020203" pitchFamily="34" charset="0"/>
+                <a:cs typeface="Segoe UI" panose="020B0502040204020203" pitchFamily="34" charset="0"/>
+              </a:rPr>
+              <a:t>Suggested questions</a:t>
             </a:r>
           </a:p>
         </p:txBody>
@@ -4371,7 +4371,7 @@
         </p:nvSpPr>
         <p:spPr bwMode="auto">
           <a:xfrm>
-            <a:off x="423726" y="2274194"/>
+            <a:off x="338370" y="2728070"/>
             <a:ext cx="2337564" cy="3600986"/>
           </a:xfrm>
           <a:prstGeom prst="rect">
@@ -4435,7 +4435,7 @@
               <a:tabLst/>
             </a:pPr>
             <a:r>
-              <a:rPr kumimoji="0" lang="en-US" altLang="en-US" sz="1200" b="1" i="0" u="none" strike="noStrike" cap="none" normalizeH="0" baseline="0" dirty="0" smtClean="0">
+              <a:rPr kumimoji="0" lang="en" altLang="en-US" sz="1200" b="1" i="0" u="none" strike="noStrike" cap="none" normalizeH="0" baseline="0" dirty="0" smtClean="0">
                 <a:ln>
                   <a:noFill/>
                 </a:ln>
@@ -4446,10 +4446,10 @@
                 <a:latin typeface="Segoe UI" panose="020B0502040204020203" pitchFamily="34" charset="0"/>
                 <a:cs typeface="Segoe UI" panose="020B0502040204020203" pitchFamily="34" charset="0"/>
               </a:rPr>
-              <a:t>Purpose</a:t>
-            </a:r>
-            <a:r>
-              <a:rPr kumimoji="0" lang="en-US" altLang="en-US" sz="1200" b="0" i="0" u="none" strike="noStrike" cap="none" normalizeH="0" baseline="0" dirty="0" smtClean="0">
+              <a:t>Purpose </a:t>
+            </a:r>
+            <a:r>
+              <a:rPr kumimoji="0" lang="en" altLang="en-US" sz="1200" b="0" i="0" u="none" strike="noStrike" cap="none" normalizeH="0" baseline="0" dirty="0" smtClean="0">
                 <a:ln>
                   <a:noFill/>
                 </a:ln>
@@ -4463,7 +4463,7 @@
               <a:t>: Power BI generates a list of </a:t>
             </a:r>
             <a:r>
-              <a:rPr kumimoji="0" lang="en-US" altLang="en-US" sz="1200" b="1" i="0" u="none" strike="noStrike" cap="none" normalizeH="0" baseline="0" dirty="0" smtClean="0">
+              <a:rPr kumimoji="0" lang="en" altLang="en-US" sz="1200" b="1" i="0" u="none" strike="noStrike" cap="none" normalizeH="0" baseline="0" dirty="0" smtClean="0">
                 <a:ln>
                   <a:noFill/>
                 </a:ln>
@@ -4474,10 +4474,10 @@
                 <a:latin typeface="Segoe UI" panose="020B0502040204020203" pitchFamily="34" charset="0"/>
                 <a:cs typeface="Segoe UI" panose="020B0502040204020203" pitchFamily="34" charset="0"/>
               </a:rPr>
-              <a:t>predefined questions</a:t>
-            </a:r>
-            <a:r>
-              <a:rPr kumimoji="0" lang="en-US" altLang="en-US" sz="1200" b="0" i="0" u="none" strike="noStrike" cap="none" normalizeH="0" baseline="0" dirty="0" smtClean="0">
+              <a:t>predefined questions </a:t>
+            </a:r>
+            <a:r>
+              <a:rPr kumimoji="0" lang="en" altLang="en-US" sz="1200" b="0" i="0" u="none" strike="noStrike" cap="none" normalizeH="0" baseline="0" dirty="0" smtClean="0">
                 <a:ln>
                   <a:noFill/>
                 </a:ln>
@@ -4488,7 +4488,7 @@
                 <a:latin typeface="Segoe UI" panose="020B0502040204020203" pitchFamily="34" charset="0"/>
                 <a:cs typeface="Segoe UI" panose="020B0502040204020203" pitchFamily="34" charset="0"/>
               </a:rPr>
-              <a:t> based on the dataset structure and metadata.</a:t>
+              <a:t>based on the structure and metadata of the dataset.</a:t>
             </a:r>
           </a:p>
           <a:p>
@@ -4534,7 +4534,7 @@
               <a:tabLst/>
             </a:pPr>
             <a:r>
-              <a:rPr kumimoji="0" lang="en-US" altLang="en-US" sz="1200" b="1" i="0" u="none" strike="noStrike" cap="none" normalizeH="0" baseline="0" dirty="0" smtClean="0">
+              <a:rPr kumimoji="0" lang="en" altLang="en-US" sz="1200" b="1" i="0" u="none" strike="noStrike" cap="none" normalizeH="0" baseline="0" dirty="0" smtClean="0">
                 <a:ln>
                   <a:noFill/>
                 </a:ln>
@@ -4545,10 +4545,10 @@
                 <a:latin typeface="Segoe UI" panose="020B0502040204020203" pitchFamily="34" charset="0"/>
                 <a:cs typeface="Segoe UI" panose="020B0502040204020203" pitchFamily="34" charset="0"/>
               </a:rPr>
-              <a:t>Why It’s Helpful</a:t>
-            </a:r>
-            <a:r>
-              <a:rPr kumimoji="0" lang="en-US" altLang="en-US" sz="1200" b="0" i="0" u="none" strike="noStrike" cap="none" normalizeH="0" baseline="0" dirty="0" smtClean="0">
+              <a:t>Why it's useful </a:t>
+            </a:r>
+            <a:r>
+              <a:rPr kumimoji="0" lang="en" altLang="en-US" sz="1200" b="0" i="0" u="none" strike="noStrike" cap="none" normalizeH="0" baseline="0" dirty="0" smtClean="0">
                 <a:ln>
                   <a:noFill/>
                 </a:ln>
@@ -4578,7 +4578,7 @@
               <a:tabLst/>
             </a:pPr>
             <a:r>
-              <a:rPr kumimoji="0" lang="en-US" altLang="en-US" sz="1200" b="0" i="0" u="none" strike="noStrike" cap="none" normalizeH="0" baseline="0" dirty="0" smtClean="0">
+              <a:rPr kumimoji="0" lang="en" altLang="en-US" sz="1200" b="0" i="0" u="none" strike="noStrike" cap="none" normalizeH="0" baseline="0" dirty="0" smtClean="0">
                 <a:ln>
                   <a:noFill/>
                 </a:ln>
@@ -4589,7 +4589,7 @@
                 <a:latin typeface="Segoe UI" panose="020B0502040204020203" pitchFamily="34" charset="0"/>
                 <a:cs typeface="Segoe UI" panose="020B0502040204020203" pitchFamily="34" charset="0"/>
               </a:rPr>
-              <a:t>Gives users ideas on what types of questions they can ask.</a:t>
+              <a:t>Gives users ideas on the types of questions they can ask.</a:t>
             </a:r>
           </a:p>
           <a:p>
@@ -4608,7 +4608,7 @@
               <a:tabLst/>
             </a:pPr>
             <a:r>
-              <a:rPr kumimoji="0" lang="en-US" altLang="en-US" sz="1200" b="0" i="0" u="none" strike="noStrike" cap="none" normalizeH="0" baseline="0" dirty="0" smtClean="0">
+              <a:rPr kumimoji="0" lang="en" altLang="en-US" sz="1200" b="0" i="0" u="none" strike="noStrike" cap="none" normalizeH="0" baseline="0" dirty="0" smtClean="0">
                 <a:ln>
                   <a:noFill/>
                 </a:ln>
@@ -4619,7 +4619,7 @@
                 <a:latin typeface="Segoe UI" panose="020B0502040204020203" pitchFamily="34" charset="0"/>
                 <a:cs typeface="Segoe UI" panose="020B0502040204020203" pitchFamily="34" charset="0"/>
               </a:rPr>
-              <a:t>Encourages exploration of the dataset for insights.</a:t>
+              <a:t>Encourages exploration of the data set to learn from it.</a:t>
             </a:r>
           </a:p>
           <a:p>
@@ -4665,7 +4665,7 @@
               <a:tabLst/>
             </a:pPr>
             <a:r>
-              <a:rPr kumimoji="0" lang="en-US" altLang="en-US" sz="1200" b="1" i="0" u="none" strike="noStrike" cap="none" normalizeH="0" baseline="0" dirty="0" smtClean="0">
+              <a:rPr kumimoji="0" lang="en" altLang="en-US" sz="1200" b="1" i="0" u="none" strike="noStrike" cap="none" normalizeH="0" baseline="0" dirty="0" smtClean="0">
                 <a:ln>
                   <a:noFill/>
                 </a:ln>
@@ -4676,10 +4676,10 @@
                 <a:latin typeface="Segoe UI" panose="020B0502040204020203" pitchFamily="34" charset="0"/>
                 <a:cs typeface="Segoe UI" panose="020B0502040204020203" pitchFamily="34" charset="0"/>
               </a:rPr>
-              <a:t>Examples in Screenshot</a:t>
-            </a:r>
-            <a:r>
-              <a:rPr kumimoji="0" lang="en-US" altLang="en-US" sz="1200" b="0" i="0" u="none" strike="noStrike" cap="none" normalizeH="0" baseline="0" dirty="0" smtClean="0">
+              <a:t>Examples in the screenshot </a:t>
+            </a:r>
+            <a:r>
+              <a:rPr kumimoji="0" lang="en" altLang="en-US" sz="1200" b="0" i="0" u="none" strike="noStrike" cap="none" normalizeH="0" baseline="0" dirty="0" smtClean="0">
                 <a:ln>
                   <a:noFill/>
                 </a:ln>
@@ -4709,7 +4709,7 @@
               <a:tabLst/>
             </a:pPr>
             <a:r>
-              <a:rPr kumimoji="0" lang="en-US" altLang="en-US" sz="1200" b="0" i="0" u="none" strike="noStrike" cap="none" normalizeH="0" baseline="0" dirty="0" smtClean="0">
+              <a:rPr kumimoji="0" lang="en" altLang="en-US" sz="1200" b="0" i="0" u="none" strike="noStrike" cap="none" normalizeH="0" baseline="0" dirty="0" smtClean="0">
                 <a:ln>
                   <a:noFill/>
                 </a:ln>
@@ -4720,7 +4720,7 @@
                 <a:latin typeface="Segoe UI" panose="020B0502040204020203" pitchFamily="34" charset="0"/>
                 <a:cs typeface="Segoe UI" panose="020B0502040204020203" pitchFamily="34" charset="0"/>
               </a:rPr>
-              <a:t>"Show dim channels": Likely returns a table of channel dimensions.</a:t>
+              <a:t>"Show dark channels": Probably returns an array of channel dimensions.</a:t>
             </a:r>
           </a:p>
           <a:p>
@@ -4739,7 +4739,7 @@
               <a:tabLst/>
             </a:pPr>
             <a:r>
-              <a:rPr kumimoji="0" lang="en-US" altLang="en-US" sz="1200" b="0" i="0" u="none" strike="noStrike" cap="none" normalizeH="0" baseline="0" dirty="0" smtClean="0">
+              <a:rPr kumimoji="0" lang="en" altLang="en-US" sz="1200" b="0" i="0" u="none" strike="noStrike" cap="none" normalizeH="0" baseline="0" dirty="0" smtClean="0">
                 <a:ln>
                   <a:noFill/>
                 </a:ln>
@@ -4750,7 +4750,7 @@
                 <a:latin typeface="Segoe UI" panose="020B0502040204020203" pitchFamily="34" charset="0"/>
                 <a:cs typeface="Segoe UI" panose="020B0502040204020203" pitchFamily="34" charset="0"/>
               </a:rPr>
-              <a:t>"Maximum sales quantity": Returns the highest sales quantity from the dataset.</a:t>
+              <a:t>“Maximum Sales Quantity”: Returns the highest sales quantity in the dataset.</a:t>
             </a:r>
           </a:p>
           <a:p>
@@ -4835,11 +4835,11 @@
           <a:lstStyle/>
           <a:p>
             <a:r>
-              <a:rPr lang="en-US" sz="2400" dirty="0" smtClean="0">
-                <a:latin typeface="Segoe UI" panose="020B0502040204020203" pitchFamily="34" charset="0"/>
-                <a:cs typeface="Segoe UI" panose="020B0502040204020203" pitchFamily="34" charset="0"/>
-              </a:rPr>
-              <a:t>Q and A</a:t>
+              <a:rPr lang="en" sz="2400" dirty="0" smtClean="0">
+                <a:latin typeface="Segoe UI" panose="020B0502040204020203" pitchFamily="34" charset="0"/>
+                <a:cs typeface="Segoe UI" panose="020B0502040204020203" pitchFamily="34" charset="0"/>
+              </a:rPr>
+              <a:t>Questions and Answers</a:t>
             </a:r>
             <a:endParaRPr lang="en-US" sz="2400" dirty="0">
               <a:latin typeface="Segoe UI" panose="020B0502040204020203" pitchFamily="34" charset="0"/>
@@ -4857,7 +4857,7 @@
         <p:spPr>
           <a:xfrm>
             <a:off x="378135" y="756271"/>
-            <a:ext cx="10653686" cy="646331"/>
+            <a:ext cx="9990748" cy="646331"/>
           </a:xfrm>
           <a:prstGeom prst="rect">
             <a:avLst/>
@@ -4871,51 +4871,55 @@
           <a:lstStyle/>
           <a:p>
             <a:r>
-              <a:rPr lang="fr-FR" dirty="0" smtClean="0">
-                <a:latin typeface="Segoe UI" panose="020B0502040204020203" pitchFamily="34" charset="0"/>
-                <a:cs typeface="Segoe UI" panose="020B0502040204020203" pitchFamily="34" charset="0"/>
-              </a:rPr>
-              <a:t>The </a:t>
-            </a:r>
-            <a:r>
-              <a:rPr lang="en-US" b="1" dirty="0" smtClean="0">
-                <a:latin typeface="Segoe UI" panose="020B0502040204020203" pitchFamily="34" charset="0"/>
-                <a:cs typeface="Segoe UI" panose="020B0502040204020203" pitchFamily="34" charset="0"/>
-              </a:rPr>
-              <a:t>Add synonyms now </a:t>
-            </a:r>
-            <a:r>
-              <a:rPr lang="en-US" dirty="0" smtClean="0">
-                <a:latin typeface="Segoe UI" panose="020B0502040204020203" pitchFamily="34" charset="0"/>
-                <a:cs typeface="Segoe UI" panose="020B0502040204020203" pitchFamily="34" charset="0"/>
-              </a:rPr>
-              <a:t>leads to that configuration page to add like natural human language to build </a:t>
-            </a:r>
-          </a:p>
-          <a:p>
-            <a:r>
-              <a:rPr lang="en-US" dirty="0" smtClean="0">
-                <a:latin typeface="Segoe UI" panose="020B0502040204020203" pitchFamily="34" charset="0"/>
-                <a:cs typeface="Segoe UI" panose="020B0502040204020203" pitchFamily="34" charset="0"/>
-              </a:rPr>
-              <a:t>more flexible</a:t>
-            </a:r>
-            <a:r>
-              <a:rPr lang="en-US" b="1" dirty="0" smtClean="0">
+              <a:rPr lang="en" dirty="0" smtClean="0">
+                <a:latin typeface="Segoe UI" panose="020B0502040204020203" pitchFamily="34" charset="0"/>
+                <a:cs typeface="Segoe UI" panose="020B0502040204020203" pitchFamily="34" charset="0"/>
+              </a:rPr>
+              <a:t>Adding </a:t>
+            </a:r>
+            <a:r>
+              <a:rPr lang="en" b="1" dirty="0" smtClean="0">
+                <a:latin typeface="Segoe UI" panose="020B0502040204020203" pitchFamily="34" charset="0"/>
+                <a:cs typeface="Segoe UI" panose="020B0502040204020203" pitchFamily="34" charset="0"/>
+              </a:rPr>
+              <a:t>synonyms now leads </a:t>
+            </a:r>
+            <a:r>
+              <a:rPr lang="en" dirty="0" smtClean="0">
+                <a:latin typeface="Segoe UI" panose="020B0502040204020203" pitchFamily="34" charset="0"/>
+                <a:cs typeface="Segoe UI" panose="020B0502040204020203" pitchFamily="34" charset="0"/>
+              </a:rPr>
+              <a:t>to this configuration page to add as a</a:t>
+            </a:r>
+            <a:endParaRPr lang="fr" dirty="0" smtClean="0">
+              <a:latin typeface="Segoe UI" panose="020B0502040204020203" pitchFamily="34" charset="0"/>
+              <a:cs typeface="Segoe UI" panose="020B0502040204020203" pitchFamily="34" charset="0"/>
+            </a:endParaRPr>
+          </a:p>
+          <a:p>
+            <a:r>
+              <a:rPr lang="en" dirty="0" smtClean="0">
+                <a:latin typeface="Segoe UI" panose="020B0502040204020203" pitchFamily="34" charset="0"/>
+                <a:cs typeface="Segoe UI" panose="020B0502040204020203" pitchFamily="34" charset="0"/>
+              </a:rPr>
+              <a:t>natural human language to create more flexible</a:t>
+            </a:r>
+            <a:r>
+              <a:rPr lang="en" b="1" dirty="0" smtClean="0">
                 <a:latin typeface="Segoe UI" panose="020B0502040204020203" pitchFamily="34" charset="0"/>
                 <a:cs typeface="Segoe UI" panose="020B0502040204020203" pitchFamily="34" charset="0"/>
               </a:rPr>
               <a:t> </a:t>
             </a:r>
             <a:r>
-              <a:rPr lang="en-US" dirty="0" smtClean="0">
-                <a:latin typeface="Segoe UI" panose="020B0502040204020203" pitchFamily="34" charset="0"/>
-                <a:cs typeface="Segoe UI" panose="020B0502040204020203" pitchFamily="34" charset="0"/>
-              </a:rPr>
-              <a:t>expressions when composing questions </a:t>
-            </a:r>
-            <a:r>
-              <a:rPr lang="en-US" b="1" dirty="0" smtClean="0">
+              <a:rPr lang="en" dirty="0" smtClean="0">
+                <a:latin typeface="Segoe UI" panose="020B0502040204020203" pitchFamily="34" charset="0"/>
+                <a:cs typeface="Segoe UI" panose="020B0502040204020203" pitchFamily="34" charset="0"/>
+              </a:rPr>
+              <a:t>expressions when writing questions</a:t>
+            </a:r>
+            <a:r>
+              <a:rPr lang="en" b="1" dirty="0" smtClean="0">
                 <a:latin typeface="Segoe UI" panose="020B0502040204020203" pitchFamily="34" charset="0"/>
                 <a:cs typeface="Segoe UI" panose="020B0502040204020203" pitchFamily="34" charset="0"/>
               </a:rPr>
@@ -5049,11 +5053,11 @@
           <a:lstStyle/>
           <a:p>
             <a:r>
-              <a:rPr lang="en-US" sz="2400" dirty="0" smtClean="0">
-                <a:latin typeface="Segoe UI" panose="020B0502040204020203" pitchFamily="34" charset="0"/>
-                <a:cs typeface="Segoe UI" panose="020B0502040204020203" pitchFamily="34" charset="0"/>
-              </a:rPr>
-              <a:t>Q and A</a:t>
+              <a:rPr lang="en" sz="2400" dirty="0" smtClean="0">
+                <a:latin typeface="Segoe UI" panose="020B0502040204020203" pitchFamily="34" charset="0"/>
+                <a:cs typeface="Segoe UI" panose="020B0502040204020203" pitchFamily="34" charset="0"/>
+              </a:rPr>
+              <a:t>Questions and Answers</a:t>
             </a:r>
             <a:endParaRPr lang="en-US" sz="2400" dirty="0">
               <a:latin typeface="Segoe UI" panose="020B0502040204020203" pitchFamily="34" charset="0"/>
@@ -5071,7 +5075,7 @@
         <p:spPr>
           <a:xfrm>
             <a:off x="378135" y="756271"/>
-            <a:ext cx="10653686" cy="646331"/>
+            <a:ext cx="9902839" cy="646331"/>
           </a:xfrm>
           <a:prstGeom prst="rect">
             <a:avLst/>
@@ -5085,51 +5089,55 @@
           <a:lstStyle/>
           <a:p>
             <a:r>
-              <a:rPr lang="fr-FR" dirty="0" smtClean="0">
-                <a:latin typeface="Segoe UI" panose="020B0502040204020203" pitchFamily="34" charset="0"/>
-                <a:cs typeface="Segoe UI" panose="020B0502040204020203" pitchFamily="34" charset="0"/>
-              </a:rPr>
-              <a:t>The </a:t>
-            </a:r>
-            <a:r>
-              <a:rPr lang="en-US" b="1" dirty="0" smtClean="0">
-                <a:latin typeface="Segoe UI" panose="020B0502040204020203" pitchFamily="34" charset="0"/>
-                <a:cs typeface="Segoe UI" panose="020B0502040204020203" pitchFamily="34" charset="0"/>
-              </a:rPr>
-              <a:t>Add synonyms now </a:t>
-            </a:r>
-            <a:r>
-              <a:rPr lang="en-US" dirty="0" smtClean="0">
-                <a:latin typeface="Segoe UI" panose="020B0502040204020203" pitchFamily="34" charset="0"/>
-                <a:cs typeface="Segoe UI" panose="020B0502040204020203" pitchFamily="34" charset="0"/>
-              </a:rPr>
-              <a:t>leads to that configuration page to add like natural human language to build </a:t>
-            </a:r>
-          </a:p>
-          <a:p>
-            <a:r>
-              <a:rPr lang="en-US" dirty="0" smtClean="0">
-                <a:latin typeface="Segoe UI" panose="020B0502040204020203" pitchFamily="34" charset="0"/>
-                <a:cs typeface="Segoe UI" panose="020B0502040204020203" pitchFamily="34" charset="0"/>
-              </a:rPr>
-              <a:t>more flexible</a:t>
-            </a:r>
-            <a:r>
-              <a:rPr lang="en-US" b="1" dirty="0" smtClean="0">
+              <a:rPr lang="en" dirty="0" smtClean="0">
+                <a:latin typeface="Segoe UI" panose="020B0502040204020203" pitchFamily="34" charset="0"/>
+                <a:cs typeface="Segoe UI" panose="020B0502040204020203" pitchFamily="34" charset="0"/>
+              </a:rPr>
+              <a:t>Adding </a:t>
+            </a:r>
+            <a:r>
+              <a:rPr lang="en" b="1" dirty="0" smtClean="0">
+                <a:latin typeface="Segoe UI" panose="020B0502040204020203" pitchFamily="34" charset="0"/>
+                <a:cs typeface="Segoe UI" panose="020B0502040204020203" pitchFamily="34" charset="0"/>
+              </a:rPr>
+              <a:t>synonyms now leads </a:t>
+            </a:r>
+            <a:r>
+              <a:rPr lang="en" dirty="0" smtClean="0">
+                <a:latin typeface="Segoe UI" panose="020B0502040204020203" pitchFamily="34" charset="0"/>
+                <a:cs typeface="Segoe UI" panose="020B0502040204020203" pitchFamily="34" charset="0"/>
+              </a:rPr>
+              <a:t>to this configuration page to add as</a:t>
+            </a:r>
+            <a:endParaRPr lang="fr" dirty="0" smtClean="0">
+              <a:latin typeface="Segoe UI" panose="020B0502040204020203" pitchFamily="34" charset="0"/>
+              <a:cs typeface="Segoe UI" panose="020B0502040204020203" pitchFamily="34" charset="0"/>
+            </a:endParaRPr>
+          </a:p>
+          <a:p>
+            <a:r>
+              <a:rPr lang="en" dirty="0" smtClean="0">
+                <a:latin typeface="Segoe UI" panose="020B0502040204020203" pitchFamily="34" charset="0"/>
+                <a:cs typeface="Segoe UI" panose="020B0502040204020203" pitchFamily="34" charset="0"/>
+              </a:rPr>
+              <a:t>natural human language to create more flexible</a:t>
+            </a:r>
+            <a:r>
+              <a:rPr lang="en" b="1" dirty="0" smtClean="0">
                 <a:latin typeface="Segoe UI" panose="020B0502040204020203" pitchFamily="34" charset="0"/>
                 <a:cs typeface="Segoe UI" panose="020B0502040204020203" pitchFamily="34" charset="0"/>
               </a:rPr>
               <a:t> </a:t>
             </a:r>
             <a:r>
-              <a:rPr lang="en-US" dirty="0" smtClean="0">
-                <a:latin typeface="Segoe UI" panose="020B0502040204020203" pitchFamily="34" charset="0"/>
-                <a:cs typeface="Segoe UI" panose="020B0502040204020203" pitchFamily="34" charset="0"/>
-              </a:rPr>
-              <a:t>expressions when composing questions </a:t>
-            </a:r>
-            <a:r>
-              <a:rPr lang="en-US" b="1" dirty="0" smtClean="0">
+              <a:rPr lang="en" dirty="0" smtClean="0">
+                <a:latin typeface="Segoe UI" panose="020B0502040204020203" pitchFamily="34" charset="0"/>
+                <a:cs typeface="Segoe UI" panose="020B0502040204020203" pitchFamily="34" charset="0"/>
+              </a:rPr>
+              <a:t>expressions when writing questions</a:t>
+            </a:r>
+            <a:r>
+              <a:rPr lang="en" b="1" dirty="0" smtClean="0">
                 <a:latin typeface="Segoe UI" panose="020B0502040204020203" pitchFamily="34" charset="0"/>
                 <a:cs typeface="Segoe UI" panose="020B0502040204020203" pitchFamily="34" charset="0"/>
               </a:rPr>
@@ -5245,11 +5253,11 @@
           <a:lstStyle/>
           <a:p>
             <a:r>
-              <a:rPr lang="en-US" dirty="0" smtClean="0">
-                <a:latin typeface="Segoe UI" panose="020B0502040204020203" pitchFamily="34" charset="0"/>
-                <a:cs typeface="Segoe UI" panose="020B0502040204020203" pitchFamily="34" charset="0"/>
-              </a:rPr>
-              <a:t>To show the global configuration dialog box </a:t>
+              <a:rPr lang="en" dirty="0" smtClean="0">
+                <a:latin typeface="Segoe UI" panose="020B0502040204020203" pitchFamily="34" charset="0"/>
+                <a:cs typeface="Segoe UI" panose="020B0502040204020203" pitchFamily="34" charset="0"/>
+              </a:rPr>
+              <a:t>To display the global configuration dialog box</a:t>
             </a:r>
             <a:endParaRPr lang="en-US" dirty="0"/>
           </a:p>
@@ -5277,7 +5285,7 @@
           <a:lstStyle/>
           <a:p>
             <a:r>
-              <a:rPr lang="en-US" dirty="0" smtClean="0">
+              <a:rPr lang="en" dirty="0" smtClean="0">
                 <a:latin typeface="Segoe UI" panose="020B0502040204020203" pitchFamily="34" charset="0"/>
                 <a:cs typeface="Segoe UI" panose="020B0502040204020203" pitchFamily="34" charset="0"/>
               </a:rPr>
@@ -5416,11 +5424,11 @@
           <a:lstStyle/>
           <a:p>
             <a:r>
-              <a:rPr lang="en-US" sz="2400" dirty="0" smtClean="0">
-                <a:latin typeface="Segoe UI" panose="020B0502040204020203" pitchFamily="34" charset="0"/>
-                <a:cs typeface="Segoe UI" panose="020B0502040204020203" pitchFamily="34" charset="0"/>
-              </a:rPr>
-              <a:t>Q and A</a:t>
+              <a:rPr lang="en" sz="2400" dirty="0" smtClean="0">
+                <a:latin typeface="Segoe UI" panose="020B0502040204020203" pitchFamily="34" charset="0"/>
+                <a:cs typeface="Segoe UI" panose="020B0502040204020203" pitchFamily="34" charset="0"/>
+              </a:rPr>
+              <a:t>Questions and Answers</a:t>
             </a:r>
             <a:endParaRPr lang="en-US" sz="2400" dirty="0">
               <a:latin typeface="Segoe UI" panose="020B0502040204020203" pitchFamily="34" charset="0"/>
@@ -5452,7 +5460,7 @@
           <a:lstStyle/>
           <a:p>
             <a:r>
-              <a:rPr lang="en-US" dirty="0" smtClean="0">
+              <a:rPr lang="en" dirty="0" smtClean="0">
                 <a:latin typeface="Segoe UI" panose="020B0502040204020203" pitchFamily="34" charset="0"/>
                 <a:cs typeface="Segoe UI" panose="020B0502040204020203" pitchFamily="34" charset="0"/>
               </a:rPr>
@@ -5584,7 +5592,7 @@
         </p:nvSpPr>
         <p:spPr>
           <a:xfrm>
-            <a:off x="2916199" y="2162433"/>
+            <a:off x="2510563" y="2368689"/>
             <a:ext cx="6230360" cy="1569660"/>
           </a:xfrm>
           <a:prstGeom prst="rect">
@@ -5628,7 +5636,7 @@
         </p:nvSpPr>
         <p:spPr>
           <a:xfrm>
-            <a:off x="2990336" y="2217861"/>
+            <a:off x="2584700" y="2424117"/>
             <a:ext cx="6230360" cy="1569660"/>
           </a:xfrm>
           <a:prstGeom prst="rect">

--- a/English/6.Visuals/17.Q and A.pptx
+++ b/English/6.Visuals/17.Q and A.pptx
@@ -202,7 +202,7 @@
           <a:p>
             <a:fld id="{056BA3B8-9F76-4D81-B71D-76CB85363062}" type="datetimeFigureOut">
               <a:rPr lang="en-US" smtClean="0"/>
-              <a:t>4/3/2025</a:t>
+              <a:t>4/5/2025</a:t>
             </a:fld>
             <a:endParaRPr lang="en-US"/>
           </a:p>
@@ -601,7 +601,7 @@
           <a:p>
             <a:fld id="{6F01DA4D-20EA-48D2-973C-0311EC3005D6}" type="datetimeFigureOut">
               <a:rPr lang="en-US" smtClean="0"/>
-              <a:t>4/3/2025</a:t>
+              <a:t>4/5/2025</a:t>
             </a:fld>
             <a:endParaRPr lang="en-US"/>
           </a:p>
@@ -771,7 +771,7 @@
           <a:p>
             <a:fld id="{6F01DA4D-20EA-48D2-973C-0311EC3005D6}" type="datetimeFigureOut">
               <a:rPr lang="en-US" smtClean="0"/>
-              <a:t>4/3/2025</a:t>
+              <a:t>4/5/2025</a:t>
             </a:fld>
             <a:endParaRPr lang="en-US"/>
           </a:p>
@@ -951,7 +951,7 @@
           <a:p>
             <a:fld id="{6F01DA4D-20EA-48D2-973C-0311EC3005D6}" type="datetimeFigureOut">
               <a:rPr lang="en-US" smtClean="0"/>
-              <a:t>4/3/2025</a:t>
+              <a:t>4/5/2025</a:t>
             </a:fld>
             <a:endParaRPr lang="en-US"/>
           </a:p>
@@ -1121,7 +1121,7 @@
           <a:p>
             <a:fld id="{6F01DA4D-20EA-48D2-973C-0311EC3005D6}" type="datetimeFigureOut">
               <a:rPr lang="en-US" smtClean="0"/>
-              <a:t>4/3/2025</a:t>
+              <a:t>4/5/2025</a:t>
             </a:fld>
             <a:endParaRPr lang="en-US"/>
           </a:p>
@@ -1367,7 +1367,7 @@
           <a:p>
             <a:fld id="{6F01DA4D-20EA-48D2-973C-0311EC3005D6}" type="datetimeFigureOut">
               <a:rPr lang="en-US" smtClean="0"/>
-              <a:t>4/3/2025</a:t>
+              <a:t>4/5/2025</a:t>
             </a:fld>
             <a:endParaRPr lang="en-US"/>
           </a:p>
@@ -1599,7 +1599,7 @@
           <a:p>
             <a:fld id="{6F01DA4D-20EA-48D2-973C-0311EC3005D6}" type="datetimeFigureOut">
               <a:rPr lang="en-US" smtClean="0"/>
-              <a:t>4/3/2025</a:t>
+              <a:t>4/5/2025</a:t>
             </a:fld>
             <a:endParaRPr lang="en-US"/>
           </a:p>
@@ -1966,7 +1966,7 @@
           <a:p>
             <a:fld id="{6F01DA4D-20EA-48D2-973C-0311EC3005D6}" type="datetimeFigureOut">
               <a:rPr lang="en-US" smtClean="0"/>
-              <a:t>4/3/2025</a:t>
+              <a:t>4/5/2025</a:t>
             </a:fld>
             <a:endParaRPr lang="en-US"/>
           </a:p>
@@ -2084,7 +2084,7 @@
           <a:p>
             <a:fld id="{6F01DA4D-20EA-48D2-973C-0311EC3005D6}" type="datetimeFigureOut">
               <a:rPr lang="en-US" smtClean="0"/>
-              <a:t>4/3/2025</a:t>
+              <a:t>4/5/2025</a:t>
             </a:fld>
             <a:endParaRPr lang="en-US"/>
           </a:p>
@@ -2179,7 +2179,7 @@
           <a:p>
             <a:fld id="{6F01DA4D-20EA-48D2-973C-0311EC3005D6}" type="datetimeFigureOut">
               <a:rPr lang="en-US" smtClean="0"/>
-              <a:t>4/3/2025</a:t>
+              <a:t>4/5/2025</a:t>
             </a:fld>
             <a:endParaRPr lang="en-US"/>
           </a:p>
@@ -2456,7 +2456,7 @@
           <a:p>
             <a:fld id="{6F01DA4D-20EA-48D2-973C-0311EC3005D6}" type="datetimeFigureOut">
               <a:rPr lang="en-US" smtClean="0"/>
-              <a:t>4/3/2025</a:t>
+              <a:t>4/5/2025</a:t>
             </a:fld>
             <a:endParaRPr lang="en-US"/>
           </a:p>
@@ -2709,7 +2709,7 @@
           <a:p>
             <a:fld id="{6F01DA4D-20EA-48D2-973C-0311EC3005D6}" type="datetimeFigureOut">
               <a:rPr lang="en-US" smtClean="0"/>
-              <a:t>4/3/2025</a:t>
+              <a:t>4/5/2025</a:t>
             </a:fld>
             <a:endParaRPr lang="en-US"/>
           </a:p>
@@ -2922,7 +2922,7 @@
           <a:p>
             <a:fld id="{6F01DA4D-20EA-48D2-973C-0311EC3005D6}" type="datetimeFigureOut">
               <a:rPr lang="en-US" smtClean="0"/>
-              <a:t>4/3/2025</a:t>
+              <a:t>4/5/2025</a:t>
             </a:fld>
             <a:endParaRPr lang="en-US"/>
           </a:p>
@@ -4857,7 +4857,7 @@
         <p:spPr>
           <a:xfrm>
             <a:off x="378135" y="756271"/>
-            <a:ext cx="9990748" cy="646331"/>
+            <a:ext cx="11137805" cy="646331"/>
           </a:xfrm>
           <a:prstGeom prst="rect">
             <a:avLst/>
@@ -4865,7 +4865,7 @@
           <a:noFill/>
         </p:spPr>
         <p:txBody>
-          <a:bodyPr wrap="none" rtlCol="0">
+          <a:bodyPr wrap="square" rtlCol="0">
             <a:spAutoFit/>
           </a:bodyPr>
           <a:lstStyle/>
@@ -4885,24 +4885,46 @@
               <a:t>synonyms now leads </a:t>
             </a:r>
             <a:r>
+              <a:rPr lang="en" u="sng" dirty="0" smtClean="0">
+                <a:latin typeface="Segoe UI" panose="020B0502040204020203" pitchFamily="34" charset="0"/>
+                <a:cs typeface="Segoe UI" panose="020B0502040204020203" pitchFamily="34" charset="0"/>
+              </a:rPr>
+              <a:t>to this configuration page </a:t>
+            </a:r>
+            <a:r>
               <a:rPr lang="en" dirty="0" smtClean="0">
                 <a:latin typeface="Segoe UI" panose="020B0502040204020203" pitchFamily="34" charset="0"/>
                 <a:cs typeface="Segoe UI" panose="020B0502040204020203" pitchFamily="34" charset="0"/>
               </a:rPr>
-              <a:t>to this configuration page to add as a</a:t>
-            </a:r>
-            <a:endParaRPr lang="fr" dirty="0" smtClean="0">
-              <a:latin typeface="Segoe UI" panose="020B0502040204020203" pitchFamily="34" charset="0"/>
-              <a:cs typeface="Segoe UI" panose="020B0502040204020203" pitchFamily="34" charset="0"/>
-            </a:endParaRPr>
-          </a:p>
-          <a:p>
+              <a:t>to add </a:t>
+            </a:r>
             <a:r>
               <a:rPr lang="en" dirty="0" smtClean="0">
                 <a:latin typeface="Segoe UI" panose="020B0502040204020203" pitchFamily="34" charset="0"/>
                 <a:cs typeface="Segoe UI" panose="020B0502040204020203" pitchFamily="34" charset="0"/>
               </a:rPr>
-              <a:t>natural human language to create more flexible</a:t>
+              <a:t>a</a:t>
+            </a:r>
+            <a:r>
+              <a:rPr lang="fr" dirty="0">
+                <a:latin typeface="Segoe UI" panose="020B0502040204020203" pitchFamily="34" charset="0"/>
+                <a:cs typeface="Segoe UI" panose="020B0502040204020203" pitchFamily="34" charset="0"/>
+              </a:rPr>
+              <a:t> </a:t>
+            </a:r>
+            <a:r>
+              <a:rPr lang="en" dirty="0" smtClean="0">
+                <a:latin typeface="Segoe UI" panose="020B0502040204020203" pitchFamily="34" charset="0"/>
+                <a:cs typeface="Segoe UI" panose="020B0502040204020203" pitchFamily="34" charset="0"/>
+              </a:rPr>
+              <a:t>natural </a:t>
+            </a:r>
+            <a:r>
+              <a:rPr lang="en" dirty="0" smtClean="0">
+                <a:latin typeface="Segoe UI" panose="020B0502040204020203" pitchFamily="34" charset="0"/>
+                <a:cs typeface="Segoe UI" panose="020B0502040204020203" pitchFamily="34" charset="0"/>
+              </a:rPr>
+              <a:t>human language to create more flexible</a:t>
             </a:r>
             <a:r>
               <a:rPr lang="en" b="1" dirty="0" smtClean="0">
@@ -5000,6 +5022,39 @@
           </a:effectLst>
         </p:spPr>
       </p:pic>
+      <p:cxnSp>
+        <p:nvCxnSpPr>
+          <p:cNvPr id="7" name="Straight Arrow Connector 6"/>
+          <p:cNvCxnSpPr/>
+          <p:nvPr/>
+        </p:nvCxnSpPr>
+        <p:spPr>
+          <a:xfrm>
+            <a:off x="5245768" y="1065654"/>
+            <a:ext cx="103128" cy="584392"/>
+          </a:xfrm>
+          <a:prstGeom prst="straightConnector1">
+            <a:avLst/>
+          </a:prstGeom>
+          <a:ln>
+            <a:tailEnd type="triangle"/>
+          </a:ln>
+        </p:spPr>
+        <p:style>
+          <a:lnRef idx="2">
+            <a:schemeClr val="dk1"/>
+          </a:lnRef>
+          <a:fillRef idx="0">
+            <a:schemeClr val="dk1"/>
+          </a:fillRef>
+          <a:effectRef idx="1">
+            <a:schemeClr val="dk1"/>
+          </a:effectRef>
+          <a:fontRef idx="minor">
+            <a:schemeClr val="tx1"/>
+          </a:fontRef>
+        </p:style>
+      </p:cxnSp>
     </p:spTree>
     <p:extLst>
       <p:ext uri="{BB962C8B-B14F-4D97-AF65-F5344CB8AC3E}">
